--- a/lesson06.pptx
+++ b/lesson06.pptx
@@ -143,14 +143,6 @@
     </p:ext>
   </p:extLst>
 </p:presentation>
-</file>
-
-<file path=ppt/revisionInfo.xml><?xml version="1.0" encoding="utf-8"?>
-<p1510:revInfo xmlns:a="http://schemas.openxmlformats.org/drawingml/2006/main" xmlns:r="http://schemas.openxmlformats.org/officeDocument/2006/relationships" xmlns:p1510="http://schemas.microsoft.com/office/powerpoint/2015/10/main">
-  <p1510:revLst>
-    <p1510:client id="{6BE567A4-5ED9-4BFD-91BD-E98169DD5952}" v="3" dt="2021-11-08T07:46:22.607"/>
-  </p1510:revLst>
-</p1510:revInfo>
 </file>
 
 <file path=ppt/changesInfos/changesInfo1.xml><?xml version="1.0" encoding="utf-8"?>
@@ -385,6 +377,30 @@
             <pc:docMk/>
             <pc:sldMk cId="3390331817" sldId="584"/>
             <ac:spMk id="9" creationId="{B194B4AE-A3A2-431A-8C48-E224362031CC}"/>
+          </ac:spMkLst>
+        </pc:spChg>
+      </pc:sldChg>
+    </pc:docChg>
+  </pc:docChgLst>
+  <pc:docChgLst>
+    <pc:chgData name="Anatoliy Kigel" userId="7432c6c4687b0a9c" providerId="LiveId" clId="{3DC5AC26-4F42-46A2-82E2-9FC682026282}"/>
+    <pc:docChg chg="undo redo custSel modSld">
+      <pc:chgData name="Anatoliy Kigel" userId="7432c6c4687b0a9c" providerId="LiveId" clId="{3DC5AC26-4F42-46A2-82E2-9FC682026282}" dt="2021-11-09T16:37:57.570" v="26" actId="20577"/>
+      <pc:docMkLst>
+        <pc:docMk/>
+      </pc:docMkLst>
+      <pc:sldChg chg="modSp mod">
+        <pc:chgData name="Anatoliy Kigel" userId="7432c6c4687b0a9c" providerId="LiveId" clId="{3DC5AC26-4F42-46A2-82E2-9FC682026282}" dt="2021-11-09T16:37:57.570" v="26" actId="20577"/>
+        <pc:sldMkLst>
+          <pc:docMk/>
+          <pc:sldMk cId="3390331817" sldId="584"/>
+        </pc:sldMkLst>
+        <pc:spChg chg="mod">
+          <ac:chgData name="Anatoliy Kigel" userId="7432c6c4687b0a9c" providerId="LiveId" clId="{3DC5AC26-4F42-46A2-82E2-9FC682026282}" dt="2021-11-09T16:37:57.570" v="26" actId="20577"/>
+          <ac:spMkLst>
+            <pc:docMk/>
+            <pc:sldMk cId="3390331817" sldId="584"/>
+            <ac:spMk id="8" creationId="{BD30F48A-C7F2-4B7D-B26A-B7928643EBE2}"/>
           </ac:spMkLst>
         </pc:spChg>
       </pc:sldChg>
@@ -916,7 +932,7 @@
             <a:fld id="{85522811-C5C6-42D2-A409-F8556720C93F}" type="datetimeFigureOut">
               <a:rPr lang="uk-UA" smtClean="0"/>
               <a:pPr/>
-              <a:t>08.11.2021</a:t>
+              <a:t>09.11.2021</a:t>
             </a:fld>
             <a:endParaRPr lang="uk-UA"/>
           </a:p>
@@ -1456,7 +1472,7 @@
             <a:fld id="{E6FC6B0D-6115-4D7C-8040-9C8E2349BB6E}" type="datetime1">
               <a:rPr lang="uk-UA" smtClean="0"/>
               <a:pPr/>
-              <a:t>08.11.2021</a:t>
+              <a:t>09.11.2021</a:t>
             </a:fld>
             <a:endParaRPr lang="uk-UA"/>
           </a:p>
@@ -1623,7 +1639,7 @@
             <a:fld id="{996367BA-0A39-4DE2-BFC3-D5290044365E}" type="datetime1">
               <a:rPr lang="uk-UA" smtClean="0"/>
               <a:pPr/>
-              <a:t>08.11.2021</a:t>
+              <a:t>09.11.2021</a:t>
             </a:fld>
             <a:endParaRPr lang="uk-UA"/>
           </a:p>
@@ -1800,7 +1816,7 @@
             <a:fld id="{1BD6A67F-6C29-47DC-AF8A-FDB3C787DF70}" type="datetime1">
               <a:rPr lang="uk-UA" smtClean="0"/>
               <a:pPr/>
-              <a:t>08.11.2021</a:t>
+              <a:t>09.11.2021</a:t>
             </a:fld>
             <a:endParaRPr lang="uk-UA"/>
           </a:p>
@@ -1967,7 +1983,7 @@
             <a:fld id="{1657D9C5-7FF1-434F-B56E-9BAD559744E9}" type="datetime1">
               <a:rPr lang="uk-UA" smtClean="0"/>
               <a:pPr/>
-              <a:t>08.11.2021</a:t>
+              <a:t>09.11.2021</a:t>
             </a:fld>
             <a:endParaRPr lang="uk-UA"/>
           </a:p>
@@ -2210,7 +2226,7 @@
             <a:fld id="{2CEB0FC9-DE63-476B-A1A9-BE934D9049F8}" type="datetime1">
               <a:rPr lang="uk-UA" smtClean="0"/>
               <a:pPr/>
-              <a:t>08.11.2021</a:t>
+              <a:t>09.11.2021</a:t>
             </a:fld>
             <a:endParaRPr lang="uk-UA"/>
           </a:p>
@@ -2495,7 +2511,7 @@
             <a:fld id="{F964460F-86E2-4DF6-9D0F-12F5005CF375}" type="datetime1">
               <a:rPr lang="uk-UA" smtClean="0"/>
               <a:pPr/>
-              <a:t>08.11.2021</a:t>
+              <a:t>09.11.2021</a:t>
             </a:fld>
             <a:endParaRPr lang="uk-UA"/>
           </a:p>
@@ -2914,7 +2930,7 @@
             <a:fld id="{C521715E-DDCD-4267-B0A5-2918B6F6768A}" type="datetime1">
               <a:rPr lang="uk-UA" smtClean="0"/>
               <a:pPr/>
-              <a:t>08.11.2021</a:t>
+              <a:t>09.11.2021</a:t>
             </a:fld>
             <a:endParaRPr lang="uk-UA"/>
           </a:p>
@@ -3029,7 +3045,7 @@
             <a:fld id="{9289842C-EB2D-4EBB-A272-2F6A49D9794D}" type="datetime1">
               <a:rPr lang="uk-UA" smtClean="0"/>
               <a:pPr/>
-              <a:t>08.11.2021</a:t>
+              <a:t>09.11.2021</a:t>
             </a:fld>
             <a:endParaRPr lang="uk-UA"/>
           </a:p>
@@ -3121,7 +3137,7 @@
             <a:fld id="{D036F091-B700-4B52-99AC-85D0FD94D904}" type="datetime1">
               <a:rPr lang="uk-UA" smtClean="0"/>
               <a:pPr/>
-              <a:t>08.11.2021</a:t>
+              <a:t>09.11.2021</a:t>
             </a:fld>
             <a:endParaRPr lang="uk-UA"/>
           </a:p>
@@ -3395,7 +3411,7 @@
             <a:fld id="{B35DFABA-3811-4634-B803-2EAC4CD0063B}" type="datetime1">
               <a:rPr lang="uk-UA" smtClean="0"/>
               <a:pPr/>
-              <a:t>08.11.2021</a:t>
+              <a:t>09.11.2021</a:t>
             </a:fld>
             <a:endParaRPr lang="uk-UA"/>
           </a:p>
@@ -3645,7 +3661,7 @@
             <a:fld id="{8A9EA25E-F88E-463A-A119-D1E55A881002}" type="datetime1">
               <a:rPr lang="uk-UA" smtClean="0"/>
               <a:pPr/>
-              <a:t>08.11.2021</a:t>
+              <a:t>09.11.2021</a:t>
             </a:fld>
             <a:endParaRPr lang="uk-UA"/>
           </a:p>
@@ -3855,7 +3871,7 @@
             <a:fld id="{E708ED03-0080-49A2-B709-7DA4ACB3A1C3}" type="datetime1">
               <a:rPr lang="uk-UA" smtClean="0"/>
               <a:pPr/>
-              <a:t>08.11.2021</a:t>
+              <a:t>09.11.2021</a:t>
             </a:fld>
             <a:endParaRPr lang="uk-UA"/>
           </a:p>
@@ -6539,7 +6555,7 @@
         <p:spPr>
           <a:xfrm>
             <a:off x="7680175" y="3429000"/>
-            <a:ext cx="4115753" cy="2849050"/>
+            <a:ext cx="4115753" cy="3145413"/>
           </a:xfrm>
           <a:prstGeom prst="rect">
             <a:avLst/>
@@ -6705,7 +6721,7 @@
               <a:t>и </a:t>
             </a:r>
             <a:r>
-              <a:rPr lang="ru-RU" sz="1800" b="1" dirty="0">
+              <a:rPr lang="ru-RU" sz="1800" b="1">
                 <a:solidFill>
                   <a:schemeClr val="accent6">
                     <a:lumMod val="75000"/>
@@ -6716,7 +6732,21 @@
                 <a:ea typeface="Calibri" panose="020F0502020204030204" pitchFamily="34" charset="0"/>
                 <a:cs typeface="Times New Roman" panose="02020603050405020304" pitchFamily="18" charset="0"/>
               </a:rPr>
-              <a:t>поиска</a:t>
+              <a:t>поиска !по всем полям! </a:t>
+            </a:r>
+            <a:r>
+              <a:rPr lang="ru-RU" sz="1800" b="1" dirty="0">
+                <a:solidFill>
+                  <a:schemeClr val="accent6">
+                    <a:lumMod val="75000"/>
+                  </a:schemeClr>
+                </a:solidFill>
+                <a:effectLst/>
+                <a:latin typeface="Calibri" panose="020F0502020204030204" pitchFamily="34" charset="0"/>
+                <a:ea typeface="Calibri" panose="020F0502020204030204" pitchFamily="34" charset="0"/>
+                <a:cs typeface="Times New Roman" panose="02020603050405020304" pitchFamily="18" charset="0"/>
+              </a:rPr>
+              <a:t>товара</a:t>
             </a:r>
             <a:r>
               <a:rPr lang="ru-RU" sz="1800" b="1" dirty="0">

--- a/lesson06.pptx
+++ b/lesson06.pptx
@@ -846,6 +846,30 @@
       </pc:sldChg>
     </pc:docChg>
   </pc:docChgLst>
+  <pc:docChgLst>
+    <pc:chgData name="Anatoliy Kigel" userId="7432c6c4687b0a9c" providerId="LiveId" clId="{23829C46-70ED-4779-B818-ED92903CAD04}"/>
+    <pc:docChg chg="modSld">
+      <pc:chgData name="Anatoliy Kigel" userId="7432c6c4687b0a9c" providerId="LiveId" clId="{23829C46-70ED-4779-B818-ED92903CAD04}" dt="2021-11-11T07:30:12.942" v="66" actId="207"/>
+      <pc:docMkLst>
+        <pc:docMk/>
+      </pc:docMkLst>
+      <pc:sldChg chg="modSp mod">
+        <pc:chgData name="Anatoliy Kigel" userId="7432c6c4687b0a9c" providerId="LiveId" clId="{23829C46-70ED-4779-B818-ED92903CAD04}" dt="2021-11-11T07:30:12.942" v="66" actId="207"/>
+        <pc:sldMkLst>
+          <pc:docMk/>
+          <pc:sldMk cId="430255524" sldId="544"/>
+        </pc:sldMkLst>
+        <pc:spChg chg="mod">
+          <ac:chgData name="Anatoliy Kigel" userId="7432c6c4687b0a9c" providerId="LiveId" clId="{23829C46-70ED-4779-B818-ED92903CAD04}" dt="2021-11-11T07:30:12.942" v="66" actId="207"/>
+          <ac:spMkLst>
+            <pc:docMk/>
+            <pc:sldMk cId="430255524" sldId="544"/>
+            <ac:spMk id="3" creationId="{00000000-0000-0000-0000-000000000000}"/>
+          </ac:spMkLst>
+        </pc:spChg>
+      </pc:sldChg>
+    </pc:docChg>
+  </pc:docChgLst>
 </pc:chgInfo>
 </file>
 
@@ -932,7 +956,7 @@
             <a:fld id="{85522811-C5C6-42D2-A409-F8556720C93F}" type="datetimeFigureOut">
               <a:rPr lang="uk-UA" smtClean="0"/>
               <a:pPr/>
-              <a:t>09.11.2021</a:t>
+              <a:t>11.11.2021</a:t>
             </a:fld>
             <a:endParaRPr lang="uk-UA"/>
           </a:p>
@@ -1472,7 +1496,7 @@
             <a:fld id="{E6FC6B0D-6115-4D7C-8040-9C8E2349BB6E}" type="datetime1">
               <a:rPr lang="uk-UA" smtClean="0"/>
               <a:pPr/>
-              <a:t>09.11.2021</a:t>
+              <a:t>11.11.2021</a:t>
             </a:fld>
             <a:endParaRPr lang="uk-UA"/>
           </a:p>
@@ -1639,7 +1663,7 @@
             <a:fld id="{996367BA-0A39-4DE2-BFC3-D5290044365E}" type="datetime1">
               <a:rPr lang="uk-UA" smtClean="0"/>
               <a:pPr/>
-              <a:t>09.11.2021</a:t>
+              <a:t>11.11.2021</a:t>
             </a:fld>
             <a:endParaRPr lang="uk-UA"/>
           </a:p>
@@ -1816,7 +1840,7 @@
             <a:fld id="{1BD6A67F-6C29-47DC-AF8A-FDB3C787DF70}" type="datetime1">
               <a:rPr lang="uk-UA" smtClean="0"/>
               <a:pPr/>
-              <a:t>09.11.2021</a:t>
+              <a:t>11.11.2021</a:t>
             </a:fld>
             <a:endParaRPr lang="uk-UA"/>
           </a:p>
@@ -1983,7 +2007,7 @@
             <a:fld id="{1657D9C5-7FF1-434F-B56E-9BAD559744E9}" type="datetime1">
               <a:rPr lang="uk-UA" smtClean="0"/>
               <a:pPr/>
-              <a:t>09.11.2021</a:t>
+              <a:t>11.11.2021</a:t>
             </a:fld>
             <a:endParaRPr lang="uk-UA"/>
           </a:p>
@@ -2226,7 +2250,7 @@
             <a:fld id="{2CEB0FC9-DE63-476B-A1A9-BE934D9049F8}" type="datetime1">
               <a:rPr lang="uk-UA" smtClean="0"/>
               <a:pPr/>
-              <a:t>09.11.2021</a:t>
+              <a:t>11.11.2021</a:t>
             </a:fld>
             <a:endParaRPr lang="uk-UA"/>
           </a:p>
@@ -2511,7 +2535,7 @@
             <a:fld id="{F964460F-86E2-4DF6-9D0F-12F5005CF375}" type="datetime1">
               <a:rPr lang="uk-UA" smtClean="0"/>
               <a:pPr/>
-              <a:t>09.11.2021</a:t>
+              <a:t>11.11.2021</a:t>
             </a:fld>
             <a:endParaRPr lang="uk-UA"/>
           </a:p>
@@ -2930,7 +2954,7 @@
             <a:fld id="{C521715E-DDCD-4267-B0A5-2918B6F6768A}" type="datetime1">
               <a:rPr lang="uk-UA" smtClean="0"/>
               <a:pPr/>
-              <a:t>09.11.2021</a:t>
+              <a:t>11.11.2021</a:t>
             </a:fld>
             <a:endParaRPr lang="uk-UA"/>
           </a:p>
@@ -3045,7 +3069,7 @@
             <a:fld id="{9289842C-EB2D-4EBB-A272-2F6A49D9794D}" type="datetime1">
               <a:rPr lang="uk-UA" smtClean="0"/>
               <a:pPr/>
-              <a:t>09.11.2021</a:t>
+              <a:t>11.11.2021</a:t>
             </a:fld>
             <a:endParaRPr lang="uk-UA"/>
           </a:p>
@@ -3137,7 +3161,7 @@
             <a:fld id="{D036F091-B700-4B52-99AC-85D0FD94D904}" type="datetime1">
               <a:rPr lang="uk-UA" smtClean="0"/>
               <a:pPr/>
-              <a:t>09.11.2021</a:t>
+              <a:t>11.11.2021</a:t>
             </a:fld>
             <a:endParaRPr lang="uk-UA"/>
           </a:p>
@@ -3411,7 +3435,7 @@
             <a:fld id="{B35DFABA-3811-4634-B803-2EAC4CD0063B}" type="datetime1">
               <a:rPr lang="uk-UA" smtClean="0"/>
               <a:pPr/>
-              <a:t>09.11.2021</a:t>
+              <a:t>11.11.2021</a:t>
             </a:fld>
             <a:endParaRPr lang="uk-UA"/>
           </a:p>
@@ -3661,7 +3685,7 @@
             <a:fld id="{8A9EA25E-F88E-463A-A119-D1E55A881002}" type="datetime1">
               <a:rPr lang="uk-UA" smtClean="0"/>
               <a:pPr/>
-              <a:t>09.11.2021</a:t>
+              <a:t>11.11.2021</a:t>
             </a:fld>
             <a:endParaRPr lang="uk-UA"/>
           </a:p>
@@ -3871,7 +3895,7 @@
             <a:fld id="{E708ED03-0080-49A2-B709-7DA4ACB3A1C3}" type="datetime1">
               <a:rPr lang="uk-UA" smtClean="0"/>
               <a:pPr/>
-              <a:t>09.11.2021</a:t>
+              <a:t>11.11.2021</a:t>
             </a:fld>
             <a:endParaRPr lang="uk-UA"/>
           </a:p>
@@ -5736,7 +5760,7 @@
         <p:spPr>
           <a:xfrm>
             <a:off x="-1" y="3212976"/>
-            <a:ext cx="12192001" cy="1015663"/>
+            <a:ext cx="12192001" cy="1938992"/>
           </a:xfrm>
           <a:prstGeom prst="rect">
             <a:avLst/>
@@ -5753,26 +5777,66 @@
             <a:r>
               <a:rPr lang="en-US" sz="6000" b="1" dirty="0">
                 <a:solidFill>
-                  <a:srgbClr val="0070C0"/>
+                  <a:srgbClr val="00B050"/>
                 </a:solidFill>
               </a:rPr>
               <a:t>Single Page Application</a:t>
             </a:r>
             <a:r>
-              <a:rPr lang="en-US" sz="6000" b="1" dirty="0"/>
-              <a:t>, </a:t>
+              <a:rPr lang="ru-RU" sz="6000" b="1" dirty="0"/>
+              <a:t>,</a:t>
+            </a:r>
+            <a:r>
+              <a:rPr lang="ru-RU" sz="6000" b="1" dirty="0">
+                <a:solidFill>
+                  <a:srgbClr val="0070C0"/>
+                </a:solidFill>
+              </a:rPr>
+              <a:t> </a:t>
+            </a:r>
+            <a:endParaRPr lang="en-US" sz="6000" b="1" dirty="0">
+              <a:solidFill>
+                <a:srgbClr val="0070C0"/>
+              </a:solidFill>
+            </a:endParaRPr>
+          </a:p>
+          <a:p>
+            <a:pPr algn="ctr"/>
+            <a:r>
+              <a:rPr lang="en-US" sz="6000" b="1" dirty="0" err="1">
+                <a:solidFill>
+                  <a:srgbClr val="0070C0"/>
+                </a:solidFill>
+              </a:rPr>
+              <a:t>LocalStorage</a:t>
             </a:r>
             <a:r>
               <a:rPr lang="en-US" sz="6000" b="1" dirty="0">
                 <a:solidFill>
-                  <a:srgbClr val="00B050"/>
+                  <a:srgbClr val="0070C0"/>
                 </a:solidFill>
               </a:rPr>
-              <a:t>Vue.js</a:t>
+              <a:t> </a:t>
+            </a:r>
+            <a:r>
+              <a:rPr lang="ru-RU" sz="6000" b="1" dirty="0"/>
+              <a:t>и немного о </a:t>
+            </a:r>
+            <a:r>
+              <a:rPr lang="en-US" sz="6000" b="1" dirty="0">
+                <a:solidFill>
+                  <a:schemeClr val="accent6">
+                    <a:lumMod val="75000"/>
+                  </a:schemeClr>
+                </a:solidFill>
+              </a:rPr>
+              <a:t>Node.js </a:t>
             </a:r>
             <a:endParaRPr lang="ru-RU" sz="6000" b="1" dirty="0">
               <a:solidFill>
-                <a:srgbClr val="00B050"/>
+                <a:schemeClr val="accent6">
+                  <a:lumMod val="75000"/>
+                </a:schemeClr>
               </a:solidFill>
             </a:endParaRPr>
           </a:p>
